--- a/FINAL/DA7/CPE301_Mago_FINALv3.pptx
+++ b/FINAL/DA7/CPE301_Mago_FINALv3.pptx
@@ -4579,8 +4579,8 @@
         </p:nvSpPr>
         <p:spPr>
           <a:xfrm>
-            <a:off x="4917831" y="4607169"/>
-            <a:ext cx="4191000" cy="1447800"/>
+            <a:off x="5375031" y="4648200"/>
+            <a:ext cx="3006969" cy="1447800"/>
           </a:xfrm>
         </p:spPr>
         <p:txBody>
@@ -4589,12 +4589,12 @@
           </a:bodyPr>
           <a:lstStyle/>
           <a:p>
-            <a:pPr marL="457200" indent="-457200" algn="l">
+            <a:pPr marL="457200" indent="-457200">
               <a:buFont typeface="Arial" pitchFamily="34" charset="0"/>
               <a:buChar char="•"/>
             </a:pPr>
             <a:r>
-              <a:rPr lang="en-US" sz="2800" b="1" dirty="0" smtClean="0">
+              <a:rPr lang="en-US" sz="2000" b="1" dirty="0" smtClean="0">
                 <a:solidFill>
                   <a:schemeClr val="bg1"/>
                 </a:solidFill>
@@ -4644,8 +4644,8 @@
         </p:nvSpPr>
         <p:spPr>
           <a:xfrm>
-            <a:off x="1770184" y="4648200"/>
-            <a:ext cx="4191000" cy="1447800"/>
+            <a:off x="1524000" y="4648200"/>
+            <a:ext cx="4495800" cy="1447800"/>
           </a:xfrm>
           <a:prstGeom prst="rect">
             <a:avLst/>
@@ -4816,7 +4816,7 @@
               <a:buChar char="•"/>
             </a:pPr>
             <a:r>
-              <a:rPr lang="en-US" sz="2800" b="1" dirty="0">
+              <a:rPr lang="en-US" sz="2000" b="1" dirty="0">
                 <a:solidFill>
                   <a:schemeClr val="bg1"/>
                 </a:solidFill>
@@ -4824,14 +4824,28 @@
               <a:t>Ralph </a:t>
             </a:r>
             <a:r>
-              <a:rPr lang="en-US" sz="2800" b="1" dirty="0" err="1">
+              <a:rPr lang="en-US" sz="2000" b="1" dirty="0" smtClean="0">
                 <a:solidFill>
                   <a:schemeClr val="bg1"/>
                 </a:solidFill>
               </a:rPr>
               <a:t>Mago</a:t>
             </a:r>
-            <a:endParaRPr lang="en-US" sz="2800" b="1" dirty="0">
+          </a:p>
+          <a:p>
+            <a:pPr marL="457200" indent="-457200" algn="l">
+              <a:buFont typeface="Arial" pitchFamily="34" charset="0"/>
+              <a:buChar char="•"/>
+            </a:pPr>
+            <a:r>
+              <a:rPr lang="en-US" sz="2000" b="1" dirty="0" smtClean="0">
+                <a:solidFill>
+                  <a:schemeClr val="bg1"/>
+                </a:solidFill>
+              </a:rPr>
+              <a:t>magor@unlv.nevada.edu</a:t>
+            </a:r>
+            <a:endParaRPr lang="en-US" sz="2000" b="1" dirty="0">
               <a:solidFill>
                 <a:schemeClr val="bg1"/>
               </a:solidFill>
